--- a/C++资料包/graph/图2.pptx
+++ b/C++资料包/graph/图2.pptx
@@ -925,38 +925,38 @@
           <a:bodyPr/>
           <a:p>
             <a:r>
-              <a:rPr lang="" altLang="zh-CN"/>
+              <a:rPr lang="en-US" altLang="zh-CN"/>
               <a:t>4 4</a:t>
             </a:r>
-            <a:endParaRPr lang="" altLang="zh-CN"/>
+            <a:endParaRPr lang="en-US" altLang="zh-CN"/>
           </a:p>
           <a:p>
             <a:r>
-              <a:rPr lang="" altLang="zh-CN"/>
+              <a:rPr lang="en-US" altLang="zh-CN"/>
               <a:t>1 2</a:t>
             </a:r>
-            <a:endParaRPr lang="" altLang="zh-CN"/>
+            <a:endParaRPr lang="en-US" altLang="zh-CN"/>
           </a:p>
           <a:p>
             <a:r>
-              <a:rPr lang="" altLang="zh-CN"/>
+              <a:rPr lang="en-US" altLang="zh-CN"/>
               <a:t>2 3</a:t>
             </a:r>
-            <a:endParaRPr lang="" altLang="zh-CN"/>
+            <a:endParaRPr lang="en-US" altLang="zh-CN"/>
           </a:p>
           <a:p>
             <a:r>
-              <a:rPr lang="" altLang="zh-CN"/>
+              <a:rPr lang="en-US" altLang="zh-CN"/>
               <a:t>3 4</a:t>
             </a:r>
-            <a:endParaRPr lang="" altLang="zh-CN"/>
+            <a:endParaRPr lang="en-US" altLang="zh-CN"/>
           </a:p>
           <a:p>
             <a:r>
-              <a:rPr lang="" altLang="zh-CN"/>
+              <a:rPr lang="en-US" altLang="zh-CN"/>
               <a:t>4 1</a:t>
             </a:r>
-            <a:endParaRPr lang="" altLang="zh-CN"/>
+            <a:endParaRPr lang="en-US" altLang="zh-CN"/>
           </a:p>
         </p:txBody>
       </p:sp>
@@ -3865,7 +3865,7 @@
         </p:nvGrpSpPr>
         <p:grpSpPr bwMode="auto">
           <a:xfrm>
-            <a:off x="2389188" y="2238375"/>
+            <a:off x="2379028" y="2251075"/>
             <a:ext cx="2146300" cy="1295400"/>
             <a:chOff x="401" y="0"/>
             <a:chExt cx="1352" cy="816"/>
@@ -16891,10 +16891,10 @@
           <a:bodyPr/>
           <a:p>
             <a:r>
-              <a:rPr lang="" altLang="zh-CN"/>
+              <a:rPr lang="en-US" altLang="zh-CN"/>
               <a:t>矩阵乘法</a:t>
             </a:r>
-            <a:endParaRPr lang="" altLang="zh-CN"/>
+            <a:endParaRPr lang="en-US" altLang="zh-CN"/>
           </a:p>
         </p:txBody>
       </p:sp>
